--- a/CSEN2201/NP-Completeness [Autosaved].pptx
+++ b/CSEN2201/NP-Completeness [Autosaved].pptx
@@ -1,38 +1,38 @@
 
 <file path=ppt/presentation.xml><?xml version="1.0" encoding="utf-8"?>
-<p:presentation xmlns:a="http://schemas.openxmlformats.org/drawingml/2006/main" xmlns:r="http://schemas.openxmlformats.org/officeDocument/2006/relationships" xmlns:mc="http://schemas.openxmlformats.org/markup-compatibility/2006" xmlns:mv="urn:schemas-microsoft-com:mac:vml" xmlns:p="http://schemas.openxmlformats.org/presentationml/2006/main" xmlns:c="http://schemas.openxmlformats.org/drawingml/2006/chart" xmlns:dgm="http://schemas.openxmlformats.org/drawingml/2006/diagram" xmlns:o="urn:schemas-microsoft-com:office:office" xmlns:v="urn:schemas-microsoft-com:vml" xmlns:pvml="urn:schemas-microsoft-com:office:powerpoint" xmlns:com="http://schemas.openxmlformats.org/drawingml/2006/compatibility" xmlns:p14="http://schemas.microsoft.com/office/powerpoint/2010/main" xmlns:p15="http://schemas.microsoft.com/office/powerpoint/2012/main" autoCompressPictures="0" strictFirstAndLastChars="0" saveSubsetFonts="1">
+<p:presentation xmlns:a="http://schemas.openxmlformats.org/drawingml/2006/main" xmlns:r="http://schemas.openxmlformats.org/officeDocument/2006/relationships" xmlns:p="http://schemas.openxmlformats.org/presentationml/2006/main" saveSubsetFonts="1">
   <p:sldMasterIdLst>
-    <p:sldMasterId id="2147483648" r:id="rId3"/>
+    <p:sldMasterId id="2147483648" r:id="rId1"/>
   </p:sldMasterIdLst>
   <p:sldIdLst>
-    <p:sldId id="256" r:id="rId4"/>
-    <p:sldId id="257" r:id="rId5"/>
-    <p:sldId id="258" r:id="rId6"/>
-    <p:sldId id="259" r:id="rId7"/>
-    <p:sldId id="260" r:id="rId8"/>
-    <p:sldId id="261" r:id="rId9"/>
-    <p:sldId id="262" r:id="rId10"/>
-    <p:sldId id="263" r:id="rId11"/>
-    <p:sldId id="264" r:id="rId12"/>
-    <p:sldId id="265" r:id="rId13"/>
-    <p:sldId id="266" r:id="rId14"/>
-    <p:sldId id="267" r:id="rId15"/>
-    <p:sldId id="268" r:id="rId16"/>
-    <p:sldId id="269" r:id="rId17"/>
-    <p:sldId id="270" r:id="rId18"/>
-    <p:sldId id="271" r:id="rId19"/>
-    <p:sldId id="272" r:id="rId20"/>
-    <p:sldId id="273" r:id="rId21"/>
-    <p:sldId id="274" r:id="rId22"/>
-    <p:sldId id="275" r:id="rId23"/>
+    <p:sldId id="256" r:id="rId2"/>
+    <p:sldId id="257" r:id="rId3"/>
+    <p:sldId id="258" r:id="rId4"/>
+    <p:sldId id="259" r:id="rId5"/>
+    <p:sldId id="260" r:id="rId6"/>
+    <p:sldId id="261" r:id="rId7"/>
+    <p:sldId id="262" r:id="rId8"/>
+    <p:sldId id="263" r:id="rId9"/>
+    <p:sldId id="275" r:id="rId10"/>
+    <p:sldId id="276" r:id="rId11"/>
+    <p:sldId id="277" r:id="rId12"/>
+    <p:sldId id="278" r:id="rId13"/>
+    <p:sldId id="279" r:id="rId14"/>
+    <p:sldId id="280" r:id="rId15"/>
+    <p:sldId id="281" r:id="rId16"/>
+    <p:sldId id="282" r:id="rId17"/>
+    <p:sldId id="283" r:id="rId18"/>
+    <p:sldId id="284" r:id="rId19"/>
+    <p:sldId id="285" r:id="rId20"/>
+    <p:sldId id="286" r:id="rId21"/>
   </p:sldIdLst>
-  <p:sldSz cy="6858000" cx="9144000"/>
+  <p:sldSz cx="9144000" cy="6858000" type="screen4x3"/>
   <p:notesSz cx="6858000" cy="9144000"/>
   <p:defaultTextStyle>
-    <a:defPPr lvl="0">
+    <a:defPPr>
       <a:defRPr lang="en-US"/>
     </a:defPPr>
-    <a:lvl1pPr eaLnBrk="0" hangingPunct="0" lvl="0" rtl="0" algn="l" fontAlgn="base">
+    <a:lvl1pPr algn="l" rtl="0" eaLnBrk="0" fontAlgn="base" hangingPunct="0">
       <a:spcBef>
         <a:spcPct val="0"/>
       </a:spcBef>
@@ -48,7 +48,7 @@
         <a:cs typeface="Arial" charset="0"/>
       </a:defRPr>
     </a:lvl1pPr>
-    <a:lvl2pPr eaLnBrk="0" hangingPunct="0" lvl="1" marL="457200" rtl="0" algn="l" fontAlgn="base">
+    <a:lvl2pPr marL="457200" algn="l" rtl="0" eaLnBrk="0" fontAlgn="base" hangingPunct="0">
       <a:spcBef>
         <a:spcPct val="0"/>
       </a:spcBef>
@@ -64,7 +64,7 @@
         <a:cs typeface="Arial" charset="0"/>
       </a:defRPr>
     </a:lvl2pPr>
-    <a:lvl3pPr eaLnBrk="0" hangingPunct="0" lvl="2" marL="914400" rtl="0" algn="l" fontAlgn="base">
+    <a:lvl3pPr marL="914400" algn="l" rtl="0" eaLnBrk="0" fontAlgn="base" hangingPunct="0">
       <a:spcBef>
         <a:spcPct val="0"/>
       </a:spcBef>
@@ -80,7 +80,7 @@
         <a:cs typeface="Arial" charset="0"/>
       </a:defRPr>
     </a:lvl3pPr>
-    <a:lvl4pPr eaLnBrk="0" hangingPunct="0" lvl="3" marL="1371600" rtl="0" algn="l" fontAlgn="base">
+    <a:lvl4pPr marL="1371600" algn="l" rtl="0" eaLnBrk="0" fontAlgn="base" hangingPunct="0">
       <a:spcBef>
         <a:spcPct val="0"/>
       </a:spcBef>
@@ -96,7 +96,7 @@
         <a:cs typeface="Arial" charset="0"/>
       </a:defRPr>
     </a:lvl4pPr>
-    <a:lvl5pPr eaLnBrk="0" hangingPunct="0" lvl="4" marL="1828800" rtl="0" algn="l" fontAlgn="base">
+    <a:lvl5pPr marL="1828800" algn="l" rtl="0" eaLnBrk="0" fontAlgn="base" hangingPunct="0">
       <a:spcBef>
         <a:spcPct val="0"/>
       </a:spcBef>
@@ -112,7 +112,7 @@
         <a:cs typeface="Arial" charset="0"/>
       </a:defRPr>
     </a:lvl5pPr>
-    <a:lvl6pPr defTabSz="914400" eaLnBrk="1" hangingPunct="1" latinLnBrk="0" lvl="5" marL="2286000" rtl="0" algn="l">
+    <a:lvl6pPr marL="2286000" algn="l" defTabSz="914400" rtl="0" eaLnBrk="1" latinLnBrk="0" hangingPunct="1">
       <a:defRPr kern="1200">
         <a:solidFill>
           <a:schemeClr val="tx1"/>
@@ -122,7 +122,7 @@
         <a:cs typeface="Arial" charset="0"/>
       </a:defRPr>
     </a:lvl6pPr>
-    <a:lvl7pPr defTabSz="914400" eaLnBrk="1" hangingPunct="1" latinLnBrk="0" lvl="6" marL="2743200" rtl="0" algn="l">
+    <a:lvl7pPr marL="2743200" algn="l" defTabSz="914400" rtl="0" eaLnBrk="1" latinLnBrk="0" hangingPunct="1">
       <a:defRPr kern="1200">
         <a:solidFill>
           <a:schemeClr val="tx1"/>
@@ -132,7 +132,7 @@
         <a:cs typeface="Arial" charset="0"/>
       </a:defRPr>
     </a:lvl7pPr>
-    <a:lvl8pPr defTabSz="914400" eaLnBrk="1" hangingPunct="1" latinLnBrk="0" lvl="7" marL="3200400" rtl="0" algn="l">
+    <a:lvl8pPr marL="3200400" algn="l" defTabSz="914400" rtl="0" eaLnBrk="1" latinLnBrk="0" hangingPunct="1">
       <a:defRPr kern="1200">
         <a:solidFill>
           <a:schemeClr val="tx1"/>
@@ -142,7 +142,7 @@
         <a:cs typeface="Arial" charset="0"/>
       </a:defRPr>
     </a:lvl8pPr>
-    <a:lvl9pPr defTabSz="914400" eaLnBrk="1" hangingPunct="1" latinLnBrk="0" lvl="8" marL="3657600" rtl="0" algn="l">
+    <a:lvl9pPr marL="3657600" algn="l" defTabSz="914400" rtl="0" eaLnBrk="1" latinLnBrk="0" hangingPunct="1">
       <a:defRPr kern="1200">
         <a:solidFill>
           <a:schemeClr val="tx1"/>
@@ -153,11 +153,23 @@
       </a:defRPr>
     </a:lvl9pPr>
   </p:defaultTextStyle>
+  <p:extLst>
+    <p:ext uri="{EFAFB233-063F-42B5-8137-9DF3F51BA10A}">
+      <p15:sldGuideLst xmlns:p15="http://schemas.microsoft.com/office/powerpoint/2012/main">
+        <p15:guide id="1" orient="horz" pos="2160">
+          <p15:clr>
+            <a:srgbClr val="A4A3A4"/>
+          </p15:clr>
+        </p15:guide>
+        <p15:guide id="2" pos="2880">
+          <p15:clr>
+            <a:srgbClr val="A4A3A4"/>
+          </p15:clr>
+        </p15:guide>
+      </p15:sldGuideLst>
+    </p:ext>
+  </p:extLst>
 </p:presentation>
-</file>
-
-<file path=ppt/presProps1.xml><?xml version="1.0" encoding="utf-8"?>
-<p:presentationPr xmlns:a="http://schemas.openxmlformats.org/drawingml/2006/main" xmlns:r="http://schemas.openxmlformats.org/officeDocument/2006/relationships" xmlns:mc="http://schemas.openxmlformats.org/markup-compatibility/2006" xmlns:mv="urn:schemas-microsoft-com:mac:vml" xmlns:p="http://schemas.openxmlformats.org/presentationml/2006/main" xmlns:c="http://schemas.openxmlformats.org/drawingml/2006/chart" xmlns:dgm="http://schemas.openxmlformats.org/drawingml/2006/diagram" xmlns:o="urn:schemas-microsoft-com:office:office" xmlns:v="urn:schemas-microsoft-com:vml" xmlns:pvml="urn:schemas-microsoft-com:office:powerpoint" xmlns:com="http://schemas.openxmlformats.org/drawingml/2006/compatibility" xmlns:p14="http://schemas.microsoft.com/office/powerpoint/2010/main" xmlns:p15="http://schemas.microsoft.com/office/powerpoint/2012/main"/>
 </file>
 
 <file path=ppt/slideLayouts/slideLayout1.xml><?xml version="1.0" encoding="utf-8"?>
@@ -6246,11 +6258,11 @@
 </file>
 
 <file path=ppt/slides/slide2.xml><?xml version="1.0" encoding="utf-8"?>
-<p:sld xmlns:a="http://schemas.openxmlformats.org/drawingml/2006/main" xmlns:r="http://schemas.openxmlformats.org/officeDocument/2006/relationships" xmlns:mc="http://schemas.openxmlformats.org/markup-compatibility/2006" xmlns:mv="urn:schemas-microsoft-com:mac:vml" xmlns:p="http://schemas.openxmlformats.org/presentationml/2006/main" xmlns:c="http://schemas.openxmlformats.org/drawingml/2006/chart" xmlns:dgm="http://schemas.openxmlformats.org/drawingml/2006/diagram" xmlns:o="urn:schemas-microsoft-com:office:office" xmlns:v="urn:schemas-microsoft-com:vml" xmlns:pvml="urn:schemas-microsoft-com:office:powerpoint" xmlns:com="http://schemas.openxmlformats.org/drawingml/2006/compatibility" xmlns:p14="http://schemas.microsoft.com/office/powerpoint/2010/main" xmlns:p15="http://schemas.microsoft.com/office/powerpoint/2012/main">
+<p:sld xmlns:a="http://schemas.openxmlformats.org/drawingml/2006/main" xmlns:r="http://schemas.openxmlformats.org/officeDocument/2006/relationships" xmlns:p="http://schemas.openxmlformats.org/presentationml/2006/main">
   <p:cSld>
     <p:spTree>
       <p:nvGrpSpPr>
-        <p:cNvPr id="9220" name="Shape 9220"/>
+        <p:cNvPr id="1" name=""/>
         <p:cNvGrpSpPr/>
         <p:nvPr/>
       </p:nvGrpSpPr>
@@ -6264,50 +6276,31 @@
       </p:grpSpPr>
       <p:sp>
         <p:nvSpPr>
-          <p:cNvPr id="9221" name="Shape 9221"/>
-          <p:cNvSpPr txBox="1"/>
-          <p:nvPr>
-            <p:ph idx="1" type="body"/>
-          </p:nvPr>
-        </p:nvSpPr>
-        <p:spPr>
-          <a:xfrm>
-            <a:off x="547113" y="1600200"/>
-            <a:ext cx="8229600" cy="4526100"/>
-          </a:xfrm>
-          <a:prstGeom prst="rect">
-            <a:avLst/>
-          </a:prstGeom>
-          <a:noFill/>
-          <a:ln>
-            <a:noFill/>
-          </a:ln>
-        </p:spPr>
-        <p:txBody>
-          <a:bodyPr anchorCtr="0" anchor="t" bIns="45700" lIns="91425" rIns="91425" wrap="square" tIns="45700">
-            <a:normAutofit/>
+          <p:cNvPr id="3" name="Content Placeholder 2"/>
+          <p:cNvSpPr>
+            <a:spLocks noGrp="1"/>
+          </p:cNvSpPr>
+          <p:nvPr>
+            <p:ph idx="1"/>
+          </p:nvPr>
+        </p:nvSpPr>
+        <p:spPr/>
+        <p:txBody>
+          <a:bodyPr rtlCol="0">
+            <a:normAutofit lnSpcReduction="10000"/>
           </a:bodyPr>
           <a:lstStyle/>
           <a:p>
-            <a:pPr indent="-342900" lvl="0" marL="342900" rtl="0" algn="just">
-              <a:lnSpc>
-                <a:spcPct val="90000"/>
-              </a:lnSpc>
-              <a:spcBef>
-                <a:spcPts val="0"/>
-              </a:spcBef>
+            <a:pPr algn="just" eaLnBrk="1" fontAlgn="auto" hangingPunct="1">
               <a:spcAft>
                 <a:spcPts val="0"/>
               </a:spcAft>
-              <a:buClr>
-                <a:srgbClr val="FF0000"/>
-              </a:buClr>
-              <a:buSzPts val="3200"/>
-              <a:buFont typeface="Arial"/>
+              <a:buFont typeface="Arial" panose="020B0604020202020204" pitchFamily="34" charset="0"/>
               <a:buChar char="•"/>
+              <a:defRPr/>
             </a:pPr>
             <a:r>
-              <a:rPr lang="en-US">
+              <a:rPr lang="en-US" dirty="0" smtClean="0">
                 <a:solidFill>
                   <a:srgbClr val="FF0000"/>
                 </a:solidFill>
@@ -6316,247 +6309,147 @@
             </a:r>
           </a:p>
           <a:p>
-            <a:pPr indent="-546100" lvl="0" marL="342900" rtl="0" algn="just">
-              <a:lnSpc>
-                <a:spcPct val="90000"/>
-              </a:lnSpc>
-              <a:spcBef>
-                <a:spcPts val="640"/>
-              </a:spcBef>
-              <a:spcAft>
-                <a:spcPts val="0"/>
-              </a:spcAft>
-              <a:buClr>
-                <a:schemeClr val="dk1"/>
-              </a:buClr>
-              <a:buSzPts val="3200"/>
-              <a:buNone/>
-            </a:pPr>
-            <a:r>
-              <a:rPr lang="en-US"/>
-              <a:t>	On input size n the worst-case running time is O(n</a:t>
-            </a:r>
-            <a:r>
-              <a:rPr baseline="30000" lang="en-US"/>
-              <a:t>k</a:t>
-            </a:r>
-            <a:r>
-              <a:rPr lang="en-US"/>
-              <a:t>) for some constant k.</a:t>
-            </a:r>
-          </a:p>
-          <a:p>
-            <a:pPr indent="-546100" lvl="0" marL="342900" rtl="0" algn="just">
-              <a:lnSpc>
-                <a:spcPct val="90000"/>
-              </a:lnSpc>
-              <a:spcBef>
-                <a:spcPts val="640"/>
-              </a:spcBef>
-              <a:spcAft>
-                <a:spcPts val="0"/>
-              </a:spcAft>
-              <a:buClr>
-                <a:schemeClr val="dk1"/>
-              </a:buClr>
-              <a:buSzPts val="3200"/>
-              <a:buNone/>
-            </a:pPr>
-            <a:r>
-              <a:t/>
-            </a:r>
-            <a:endParaRPr/>
-          </a:p>
-          <a:p>
-            <a:pPr indent="-342900" lvl="0" marL="342900" rtl="0" algn="just">
-              <a:lnSpc>
-                <a:spcPct val="90000"/>
-              </a:lnSpc>
-              <a:spcBef>
-                <a:spcPts val="640"/>
-              </a:spcBef>
-              <a:spcAft>
-                <a:spcPts val="0"/>
-              </a:spcAft>
-              <a:buClr>
-                <a:srgbClr val="FF0000"/>
-              </a:buClr>
-              <a:buSzPts val="3200"/>
-              <a:buFont typeface="Arial"/>
-              <a:buChar char="•"/>
-            </a:pPr>
-            <a:r>
-              <a:rPr lang="en-US">
-                <a:solidFill>
-                  <a:srgbClr val="FF0000"/>
-                </a:solidFill>
-              </a:rPr>
-              <a:t>Turing’s Halting problem: </a:t>
-            </a:r>
-          </a:p>
-          <a:p>
-            <a:pPr indent="-546100" lvl="0" marL="342900" rtl="0" algn="just">
-              <a:lnSpc>
-                <a:spcPct val="90000"/>
-              </a:lnSpc>
-              <a:spcBef>
-                <a:spcPts val="640"/>
-              </a:spcBef>
-              <a:spcAft>
-                <a:spcPts val="0"/>
-              </a:spcAft>
-              <a:buClr>
-                <a:schemeClr val="dk1"/>
-              </a:buClr>
-              <a:buSzPts val="3200"/>
-              <a:buNone/>
-            </a:pPr>
-            <a:r>
-              <a:rPr lang="en-US"/>
-              <a:t>	Not solvable by any computers</a:t>
-            </a:r>
-          </a:p>
-          <a:p>
-            <a:pPr indent="-546100" lvl="0" marL="342900" rtl="0" algn="just">
-              <a:lnSpc>
-                <a:spcPct val="90000"/>
-              </a:lnSpc>
-              <a:spcBef>
-                <a:spcPts val="640"/>
-              </a:spcBef>
-              <a:spcAft>
-                <a:spcPts val="0"/>
-              </a:spcAft>
-              <a:buClr>
-                <a:schemeClr val="dk1"/>
-              </a:buClr>
-              <a:buSzPts val="3200"/>
-              <a:buNone/>
-            </a:pPr>
-            <a:r>
-              <a:t/>
-            </a:r>
-            <a:endParaRPr/>
-          </a:p>
-          <a:p>
-            <a:pPr indent="-342900" lvl="0" marL="342900" rtl="0" algn="just">
-              <a:lnSpc>
-                <a:spcPct val="90000"/>
-              </a:lnSpc>
-              <a:spcBef>
-                <a:spcPts val="640"/>
-              </a:spcBef>
-              <a:spcAft>
-                <a:spcPts val="0"/>
-              </a:spcAft>
-              <a:buClr>
-                <a:srgbClr val="FF0000"/>
-              </a:buClr>
-              <a:buSzPts val="3200"/>
-              <a:buFont typeface="Arial"/>
-              <a:buChar char="•"/>
-            </a:pPr>
-            <a:r>
-              <a:rPr lang="en-US">
-                <a:solidFill>
-                  <a:srgbClr val="FF0000"/>
-                </a:solidFill>
-              </a:rPr>
-              <a:t>Tractability: </a:t>
-            </a:r>
-            <a:r>
-              <a:rPr lang="en-US"/>
-              <a:t>Synonymous to polynomial-time.</a:t>
-            </a:r>
-          </a:p>
-          <a:p>
-            <a:pPr indent="-342900" lvl="0" marL="342900" rtl="0" algn="just">
-              <a:lnSpc>
-                <a:spcPct val="90000"/>
-              </a:lnSpc>
-              <a:spcBef>
-                <a:spcPts val="640"/>
-              </a:spcBef>
-              <a:spcAft>
-                <a:spcPts val="0"/>
-              </a:spcAft>
-              <a:buClr>
-                <a:schemeClr val="dk1"/>
-              </a:buClr>
-              <a:buSzPts val="3200"/>
-              <a:buFont typeface="Arial"/>
-              <a:buNone/>
-            </a:pPr>
-            <a:r>
-              <a:t/>
-            </a:r>
-            <a:endParaRPr/>
-          </a:p>
-          <a:p>
-            <a:pPr indent="-342900" lvl="0" marL="342900" rtl="0" algn="just">
-              <a:lnSpc>
-                <a:spcPct val="90000"/>
-              </a:lnSpc>
-              <a:spcBef>
-                <a:spcPts val="640"/>
-              </a:spcBef>
-              <a:spcAft>
-                <a:spcPts val="0"/>
-              </a:spcAft>
-              <a:buClr>
-                <a:schemeClr val="dk1"/>
-              </a:buClr>
-              <a:buSzPts val="3200"/>
-              <a:buFont typeface="Arial"/>
-              <a:buNone/>
-            </a:pPr>
-            <a:r>
-              <a:t/>
-            </a:r>
-            <a:endParaRPr/>
-          </a:p>
-        </p:txBody>
-      </p:sp>
-      <p:sp>
-        <p:nvSpPr>
-          <p:cNvPr id="9222" name="Shape 9222"/>
-          <p:cNvSpPr txBox="1"/>
-          <p:nvPr>
-            <p:ph type="title"/>
-          </p:nvPr>
-        </p:nvSpPr>
-        <p:spPr>
-          <a:xfrm>
-            <a:off x="457200" y="274638"/>
-            <a:ext cx="8229600" cy="1143000"/>
-          </a:xfrm>
-          <a:prstGeom prst="rect">
-            <a:avLst/>
-          </a:prstGeom>
-          <a:noFill/>
-          <a:ln>
-            <a:noFill/>
-          </a:ln>
-        </p:spPr>
-        <p:txBody>
-          <a:bodyPr anchorCtr="0" anchor="ctr" bIns="45700" lIns="91425" rIns="91425" wrap="square" tIns="45700">
-            <a:noAutofit/>
-          </a:bodyPr>
-          <a:lstStyle/>
-          <a:p>
-            <a:pPr indent="0" lvl="0" marL="0" rtl="0" algn="ctr">
-              <a:spcBef>
-                <a:spcPts val="0"/>
-              </a:spcBef>
+            <a:pPr algn="just" eaLnBrk="1" fontAlgn="auto" hangingPunct="1">
               <a:spcAft>
                 <a:spcPts val="0"/>
               </a:spcAft>
               <a:buNone/>
+              <a:defRPr/>
             </a:pPr>
             <a:r>
-              <a:rPr lang="en-US"/>
+              <a:rPr lang="en-US" dirty="0" smtClean="0"/>
+              <a:t>	On input size n the worst-case running time is O(</a:t>
+            </a:r>
+            <a:r>
+              <a:rPr lang="en-US" dirty="0" err="1" smtClean="0"/>
+              <a:t>n</a:t>
+            </a:r>
+            <a:r>
+              <a:rPr lang="en-US" baseline="30000" dirty="0" err="1" smtClean="0"/>
+              <a:t>k</a:t>
+            </a:r>
+            <a:r>
+              <a:rPr lang="en-US" dirty="0" smtClean="0"/>
+              <a:t>) for some constant k.</a:t>
+            </a:r>
+          </a:p>
+          <a:p>
+            <a:pPr algn="just" eaLnBrk="1" fontAlgn="auto" hangingPunct="1">
+              <a:spcAft>
+                <a:spcPts val="0"/>
+              </a:spcAft>
+              <a:buNone/>
+              <a:defRPr/>
+            </a:pPr>
+            <a:endParaRPr lang="en-US" dirty="0" smtClean="0"/>
+          </a:p>
+          <a:p>
+            <a:pPr algn="just" eaLnBrk="1" fontAlgn="auto" hangingPunct="1">
+              <a:spcAft>
+                <a:spcPts val="0"/>
+              </a:spcAft>
+              <a:buFont typeface="Arial" panose="020B0604020202020204" pitchFamily="34" charset="0"/>
+              <a:buChar char="•"/>
+              <a:defRPr/>
+            </a:pPr>
+            <a:r>
+              <a:rPr lang="en-US" dirty="0" smtClean="0">
+                <a:solidFill>
+                  <a:srgbClr val="FF0000"/>
+                </a:solidFill>
+              </a:rPr>
+              <a:t>Turing’s Halting problem: </a:t>
+            </a:r>
+          </a:p>
+          <a:p>
+            <a:pPr algn="just" eaLnBrk="1" fontAlgn="auto" hangingPunct="1">
+              <a:spcAft>
+                <a:spcPts val="0"/>
+              </a:spcAft>
+              <a:buNone/>
+              <a:defRPr/>
+            </a:pPr>
+            <a:r>
+              <a:rPr lang="en-US" dirty="0" smtClean="0"/>
+              <a:t>	Not solvable by any computers</a:t>
+            </a:r>
+          </a:p>
+          <a:p>
+            <a:pPr algn="just" eaLnBrk="1" fontAlgn="auto" hangingPunct="1">
+              <a:spcAft>
+                <a:spcPts val="0"/>
+              </a:spcAft>
+              <a:buNone/>
+              <a:defRPr/>
+            </a:pPr>
+            <a:endParaRPr lang="en-US" dirty="0" smtClean="0"/>
+          </a:p>
+          <a:p>
+            <a:pPr algn="just" eaLnBrk="1" fontAlgn="auto" hangingPunct="1">
+              <a:spcAft>
+                <a:spcPts val="0"/>
+              </a:spcAft>
+              <a:buFont typeface="Arial" panose="020B0604020202020204" pitchFamily="34" charset="0"/>
+              <a:buChar char="•"/>
+              <a:defRPr/>
+            </a:pPr>
+            <a:r>
+              <a:rPr lang="en-US" dirty="0" smtClean="0">
+                <a:solidFill>
+                  <a:srgbClr val="FF0000"/>
+                </a:solidFill>
+              </a:rPr>
+              <a:t>Tractability: </a:t>
+            </a:r>
+            <a:r>
+              <a:rPr lang="en-US" dirty="0" smtClean="0"/>
+              <a:t>Synonymous to polynomial-time.</a:t>
+            </a:r>
+          </a:p>
+          <a:p>
+            <a:pPr algn="just" eaLnBrk="1" fontAlgn="auto" hangingPunct="1">
+              <a:spcAft>
+                <a:spcPts val="0"/>
+              </a:spcAft>
+              <a:buFont typeface="Arial" panose="020B0604020202020204" pitchFamily="34" charset="0"/>
+              <a:buChar char="•"/>
+              <a:defRPr/>
+            </a:pPr>
+            <a:endParaRPr lang="en-US" dirty="0" smtClean="0"/>
+          </a:p>
+          <a:p>
+            <a:pPr algn="just" eaLnBrk="1" fontAlgn="auto" hangingPunct="1">
+              <a:spcAft>
+                <a:spcPts val="0"/>
+              </a:spcAft>
+              <a:buFont typeface="Arial" panose="020B0604020202020204" pitchFamily="34" charset="0"/>
+              <a:buChar char="•"/>
+              <a:defRPr/>
+            </a:pPr>
+            <a:endParaRPr lang="en-US" dirty="0"/>
+          </a:p>
+        </p:txBody>
+      </p:sp>
+      <p:sp>
+        <p:nvSpPr>
+          <p:cNvPr id="4" name="Title 3"/>
+          <p:cNvSpPr>
+            <a:spLocks noGrp="1"/>
+          </p:cNvSpPr>
+          <p:nvPr>
+            <p:ph type="title"/>
+          </p:nvPr>
+        </p:nvSpPr>
+        <p:spPr/>
+        <p:txBody>
+          <a:bodyPr/>
+          <a:lstStyle/>
+          <a:p>
+            <a:r>
+              <a:rPr lang="en-US" dirty="0" smtClean="0"/>
               <a:t>Preliminaries</a:t>
             </a:r>
+            <a:endParaRPr lang="en-US" dirty="0"/>
           </a:p>
         </p:txBody>
       </p:sp>
@@ -6565,6 +6458,13 @@
   <p:clrMapOvr>
     <a:masterClrMapping/>
   </p:clrMapOvr>
+  <p:timing>
+    <p:tnLst>
+      <p:par>
+        <p:cTn id="1" dur="indefinite" restart="never" nodeType="tmRoot"/>
+      </p:par>
+    </p:tnLst>
+  </p:timing>
 </p:sld>
 </file>
 
